--- a/Year_2/ТСиСА/лаба3.pptx
+++ b/Year_2/ТСиСА/лаба3.pptx
@@ -6,6 +6,8 @@
   </p:sldMasterIdLst>
   <p:sldIdLst>
     <p:sldId id="256" r:id="rId2"/>
+    <p:sldId id="257" r:id="rId3"/>
+    <p:sldId id="258" r:id="rId4"/>
   </p:sldIdLst>
   <p:sldSz cx="12192000" cy="6858000"/>
   <p:notesSz cx="6858000" cy="9144000"/>
@@ -104,6 +106,11 @@
       </a:defRPr>
     </a:lvl9pPr>
   </p:defaultTextStyle>
+  <p:extLst>
+    <p:ext uri="{EFAFB233-063F-42B5-8137-9DF3F51BA10A}">
+      <p15:sldGuideLst xmlns:p15="http://schemas.microsoft.com/office/powerpoint/2012/main"/>
+    </p:ext>
+  </p:extLst>
 </p:presentation>
 </file>
 
@@ -829,7 +836,7 @@
           <a:p>
             <a:fld id="{7F7C9443-B8E0-4F1F-8AC6-97F16FED38A8}" type="datetimeFigureOut">
               <a:rPr lang="ru-RU" smtClean="0"/>
-              <a:t>17.10.2019</a:t>
+              <a:t>25.10.2019</a:t>
             </a:fld>
             <a:endParaRPr lang="ru-RU"/>
           </a:p>
@@ -1080,7 +1087,7 @@
           <a:p>
             <a:fld id="{7F7C9443-B8E0-4F1F-8AC6-97F16FED38A8}" type="datetimeFigureOut">
               <a:rPr lang="ru-RU" smtClean="0"/>
-              <a:t>17.10.2019</a:t>
+              <a:t>25.10.2019</a:t>
             </a:fld>
             <a:endParaRPr lang="ru-RU"/>
           </a:p>
@@ -1394,7 +1401,7 @@
           <a:p>
             <a:fld id="{7F7C9443-B8E0-4F1F-8AC6-97F16FED38A8}" type="datetimeFigureOut">
               <a:rPr lang="ru-RU" smtClean="0"/>
-              <a:t>17.10.2019</a:t>
+              <a:t>25.10.2019</a:t>
             </a:fld>
             <a:endParaRPr lang="ru-RU"/>
           </a:p>
@@ -1735,7 +1742,7 @@
           <a:p>
             <a:fld id="{7F7C9443-B8E0-4F1F-8AC6-97F16FED38A8}" type="datetimeFigureOut">
               <a:rPr lang="ru-RU" smtClean="0"/>
-              <a:t>17.10.2019</a:t>
+              <a:t>25.10.2019</a:t>
             </a:fld>
             <a:endParaRPr lang="ru-RU"/>
           </a:p>
@@ -2049,7 +2056,7 @@
           <a:p>
             <a:fld id="{7F7C9443-B8E0-4F1F-8AC6-97F16FED38A8}" type="datetimeFigureOut">
               <a:rPr lang="ru-RU" smtClean="0"/>
-              <a:t>17.10.2019</a:t>
+              <a:t>25.10.2019</a:t>
             </a:fld>
             <a:endParaRPr lang="ru-RU"/>
           </a:p>
@@ -2442,7 +2449,7 @@
           <a:p>
             <a:fld id="{7F7C9443-B8E0-4F1F-8AC6-97F16FED38A8}" type="datetimeFigureOut">
               <a:rPr lang="ru-RU" smtClean="0"/>
-              <a:t>17.10.2019</a:t>
+              <a:t>25.10.2019</a:t>
             </a:fld>
             <a:endParaRPr lang="ru-RU"/>
           </a:p>
@@ -2612,7 +2619,7 @@
           <a:p>
             <a:fld id="{7F7C9443-B8E0-4F1F-8AC6-97F16FED38A8}" type="datetimeFigureOut">
               <a:rPr lang="ru-RU" smtClean="0"/>
-              <a:t>17.10.2019</a:t>
+              <a:t>25.10.2019</a:t>
             </a:fld>
             <a:endParaRPr lang="ru-RU"/>
           </a:p>
@@ -2792,7 +2799,7 @@
           <a:p>
             <a:fld id="{7F7C9443-B8E0-4F1F-8AC6-97F16FED38A8}" type="datetimeFigureOut">
               <a:rPr lang="ru-RU" smtClean="0"/>
-              <a:t>17.10.2019</a:t>
+              <a:t>25.10.2019</a:t>
             </a:fld>
             <a:endParaRPr lang="ru-RU"/>
           </a:p>
@@ -2968,7 +2975,7 @@
           <a:p>
             <a:fld id="{7F7C9443-B8E0-4F1F-8AC6-97F16FED38A8}" type="datetimeFigureOut">
               <a:rPr lang="ru-RU" smtClean="0"/>
-              <a:t>17.10.2019</a:t>
+              <a:t>25.10.2019</a:t>
             </a:fld>
             <a:endParaRPr lang="ru-RU"/>
           </a:p>
@@ -3215,7 +3222,7 @@
           <a:p>
             <a:fld id="{7F7C9443-B8E0-4F1F-8AC6-97F16FED38A8}" type="datetimeFigureOut">
               <a:rPr lang="ru-RU" smtClean="0"/>
-              <a:t>17.10.2019</a:t>
+              <a:t>25.10.2019</a:t>
             </a:fld>
             <a:endParaRPr lang="ru-RU"/>
           </a:p>
@@ -3447,7 +3454,7 @@
           <a:p>
             <a:fld id="{7F7C9443-B8E0-4F1F-8AC6-97F16FED38A8}" type="datetimeFigureOut">
               <a:rPr lang="ru-RU" smtClean="0"/>
-              <a:t>17.10.2019</a:t>
+              <a:t>25.10.2019</a:t>
             </a:fld>
             <a:endParaRPr lang="ru-RU"/>
           </a:p>
@@ -3821,7 +3828,7 @@
           <a:p>
             <a:fld id="{7F7C9443-B8E0-4F1F-8AC6-97F16FED38A8}" type="datetimeFigureOut">
               <a:rPr lang="ru-RU" smtClean="0"/>
-              <a:t>17.10.2019</a:t>
+              <a:t>25.10.2019</a:t>
             </a:fld>
             <a:endParaRPr lang="ru-RU"/>
           </a:p>
@@ -3944,7 +3951,7 @@
           <a:p>
             <a:fld id="{7F7C9443-B8E0-4F1F-8AC6-97F16FED38A8}" type="datetimeFigureOut">
               <a:rPr lang="ru-RU" smtClean="0"/>
-              <a:t>17.10.2019</a:t>
+              <a:t>25.10.2019</a:t>
             </a:fld>
             <a:endParaRPr lang="ru-RU"/>
           </a:p>
@@ -4039,7 +4046,7 @@
           <a:p>
             <a:fld id="{7F7C9443-B8E0-4F1F-8AC6-97F16FED38A8}" type="datetimeFigureOut">
               <a:rPr lang="ru-RU" smtClean="0"/>
-              <a:t>17.10.2019</a:t>
+              <a:t>25.10.2019</a:t>
             </a:fld>
             <a:endParaRPr lang="ru-RU"/>
           </a:p>
@@ -4294,7 +4301,7 @@
           <a:p>
             <a:fld id="{7F7C9443-B8E0-4F1F-8AC6-97F16FED38A8}" type="datetimeFigureOut">
               <a:rPr lang="ru-RU" smtClean="0"/>
-              <a:t>17.10.2019</a:t>
+              <a:t>25.10.2019</a:t>
             </a:fld>
             <a:endParaRPr lang="ru-RU"/>
           </a:p>
@@ -4557,7 +4564,7 @@
           <a:p>
             <a:fld id="{7F7C9443-B8E0-4F1F-8AC6-97F16FED38A8}" type="datetimeFigureOut">
               <a:rPr lang="ru-RU" smtClean="0"/>
-              <a:t>17.10.2019</a:t>
+              <a:t>25.10.2019</a:t>
             </a:fld>
             <a:endParaRPr lang="ru-RU"/>
           </a:p>
@@ -5300,7 +5307,7 @@
           <a:p>
             <a:fld id="{7F7C9443-B8E0-4F1F-8AC6-97F16FED38A8}" type="datetimeFigureOut">
               <a:rPr lang="ru-RU" smtClean="0"/>
-              <a:t>17.10.2019</a:t>
+              <a:t>25.10.2019</a:t>
             </a:fld>
             <a:endParaRPr lang="ru-RU"/>
           </a:p>
@@ -5893,6 +5900,234 @@
 </p:sld>
 </file>
 
+<file path=ppt/slides/slide2.xml><?xml version="1.0" encoding="utf-8"?>
+<p:sld xmlns:a="http://schemas.openxmlformats.org/drawingml/2006/main" xmlns:r="http://schemas.openxmlformats.org/officeDocument/2006/relationships" xmlns:p="http://schemas.openxmlformats.org/presentationml/2006/main">
+  <p:cSld>
+    <p:spTree>
+      <p:nvGrpSpPr>
+        <p:cNvPr id="1" name=""/>
+        <p:cNvGrpSpPr/>
+        <p:nvPr/>
+      </p:nvGrpSpPr>
+      <p:grpSpPr>
+        <a:xfrm>
+          <a:off x="0" y="0"/>
+          <a:ext cx="0" cy="0"/>
+          <a:chOff x="0" y="0"/>
+          <a:chExt cx="0" cy="0"/>
+        </a:xfrm>
+      </p:grpSpPr>
+      <p:sp>
+        <p:nvSpPr>
+          <p:cNvPr id="2" name="Заголовок 1">
+            <a:extLst>
+              <a:ext uri="{FF2B5EF4-FFF2-40B4-BE49-F238E27FC236}">
+                <a16:creationId xmlns:a16="http://schemas.microsoft.com/office/drawing/2014/main" id="{2D0F8B46-0BB3-4DF3-BA20-4F0FD6110268}"/>
+              </a:ext>
+            </a:extLst>
+          </p:cNvPr>
+          <p:cNvSpPr>
+            <a:spLocks noGrp="1"/>
+          </p:cNvSpPr>
+          <p:nvPr>
+            <p:ph type="title"/>
+          </p:nvPr>
+        </p:nvSpPr>
+        <p:spPr/>
+        <p:txBody>
+          <a:bodyPr/>
+          <a:lstStyle/>
+          <a:p>
+            <a:r>
+              <a:rPr lang="ru-RU" dirty="0"/>
+              <a:t>Схема </a:t>
+            </a:r>
+            <a:r>
+              <a:rPr lang="en-US" dirty="0"/>
+              <a:t>“</a:t>
+            </a:r>
+            <a:r>
+              <a:rPr lang="ru-RU" dirty="0"/>
+              <a:t>управляющая система</a:t>
+            </a:r>
+            <a:r>
+              <a:rPr lang="en-US" dirty="0"/>
+              <a:t>”</a:t>
+            </a:r>
+            <a:endParaRPr lang="ru-RU" dirty="0"/>
+          </a:p>
+        </p:txBody>
+      </p:sp>
+      <p:pic>
+        <p:nvPicPr>
+          <p:cNvPr id="7" name="Рисунок 6">
+            <a:extLst>
+              <a:ext uri="{FF2B5EF4-FFF2-40B4-BE49-F238E27FC236}">
+                <a16:creationId xmlns:a16="http://schemas.microsoft.com/office/drawing/2014/main" id="{852FE871-1D8C-4A69-B24E-AC5197AAE093}"/>
+              </a:ext>
+            </a:extLst>
+          </p:cNvPr>
+          <p:cNvPicPr>
+            <a:picLocks noChangeAspect="1"/>
+          </p:cNvPicPr>
+          <p:nvPr/>
+        </p:nvPicPr>
+        <p:blipFill>
+          <a:blip r:embed="rId2"/>
+          <a:stretch>
+            <a:fillRect/>
+          </a:stretch>
+        </p:blipFill>
+        <p:spPr>
+          <a:xfrm>
+            <a:off x="511942" y="1417983"/>
+            <a:ext cx="8071330" cy="5440017"/>
+          </a:xfrm>
+          <a:prstGeom prst="rect">
+            <a:avLst/>
+          </a:prstGeom>
+        </p:spPr>
+      </p:pic>
+    </p:spTree>
+    <p:extLst>
+      <p:ext uri="{BB962C8B-B14F-4D97-AF65-F5344CB8AC3E}">
+        <p14:creationId xmlns:p14="http://schemas.microsoft.com/office/powerpoint/2010/main" val="1493589370"/>
+      </p:ext>
+    </p:extLst>
+  </p:cSld>
+  <p:clrMapOvr>
+    <a:masterClrMapping/>
+  </p:clrMapOvr>
+</p:sld>
+</file>
+
+<file path=ppt/slides/slide3.xml><?xml version="1.0" encoding="utf-8"?>
+<p:sld xmlns:a="http://schemas.openxmlformats.org/drawingml/2006/main" xmlns:r="http://schemas.openxmlformats.org/officeDocument/2006/relationships" xmlns:p="http://schemas.openxmlformats.org/presentationml/2006/main">
+  <p:cSld>
+    <p:spTree>
+      <p:nvGrpSpPr>
+        <p:cNvPr id="1" name=""/>
+        <p:cNvGrpSpPr/>
+        <p:nvPr/>
+      </p:nvGrpSpPr>
+      <p:grpSpPr>
+        <a:xfrm>
+          <a:off x="0" y="0"/>
+          <a:ext cx="0" cy="0"/>
+          <a:chOff x="0" y="0"/>
+          <a:chExt cx="0" cy="0"/>
+        </a:xfrm>
+      </p:grpSpPr>
+      <p:sp>
+        <p:nvSpPr>
+          <p:cNvPr id="2" name="Заголовок 1">
+            <a:extLst>
+              <a:ext uri="{FF2B5EF4-FFF2-40B4-BE49-F238E27FC236}">
+                <a16:creationId xmlns:a16="http://schemas.microsoft.com/office/drawing/2014/main" id="{C12821F2-06CA-4129-87CA-F38A0CF14C71}"/>
+              </a:ext>
+            </a:extLst>
+          </p:cNvPr>
+          <p:cNvSpPr>
+            <a:spLocks noGrp="1"/>
+          </p:cNvSpPr>
+          <p:nvPr>
+            <p:ph type="title"/>
+          </p:nvPr>
+        </p:nvSpPr>
+        <p:spPr/>
+        <p:txBody>
+          <a:bodyPr/>
+          <a:lstStyle/>
+          <a:p>
+            <a:r>
+              <a:rPr lang="ru-RU" dirty="0"/>
+              <a:t>Описание схемы</a:t>
+            </a:r>
+          </a:p>
+        </p:txBody>
+      </p:sp>
+      <p:sp>
+        <p:nvSpPr>
+          <p:cNvPr id="3" name="Объект 2">
+            <a:extLst>
+              <a:ext uri="{FF2B5EF4-FFF2-40B4-BE49-F238E27FC236}">
+                <a16:creationId xmlns:a16="http://schemas.microsoft.com/office/drawing/2014/main" id="{B28BF0E9-BE19-4FCD-82CF-5BA27643F2BF}"/>
+              </a:ext>
+            </a:extLst>
+          </p:cNvPr>
+          <p:cNvSpPr>
+            <a:spLocks noGrp="1"/>
+          </p:cNvSpPr>
+          <p:nvPr>
+            <p:ph idx="1"/>
+          </p:nvPr>
+        </p:nvSpPr>
+        <p:spPr/>
+        <p:txBody>
+          <a:bodyPr/>
+          <a:lstStyle/>
+          <a:p>
+            <a:r>
+              <a:rPr lang="ru-RU" dirty="0"/>
+              <a:t>Владелец фирмы руководит персоналом</a:t>
+            </a:r>
+          </a:p>
+          <a:p>
+            <a:r>
+              <a:rPr lang="ru-RU" dirty="0"/>
+              <a:t>Идет выполнение производственного плана на день</a:t>
+            </a:r>
+          </a:p>
+          <a:p>
+            <a:r>
+              <a:rPr lang="ru-RU" dirty="0"/>
+              <a:t>Пекари определяют свою работу на день по созданию продукции</a:t>
+            </a:r>
+          </a:p>
+          <a:p>
+            <a:r>
+              <a:rPr lang="ru-RU" dirty="0"/>
+              <a:t>Технолог составляет схему работы и загрузки оборудования, определяет техническую сторону работы предприятия</a:t>
+            </a:r>
+          </a:p>
+          <a:p>
+            <a:r>
+              <a:rPr lang="ru-RU" dirty="0"/>
+              <a:t>Продавцы обустраивают витрину в соответствии с планом</a:t>
+            </a:r>
+          </a:p>
+          <a:p>
+            <a:r>
+              <a:rPr lang="ru-RU" dirty="0"/>
+              <a:t>С объекта управления поступает информация о количестве сырья, этапе производства и процента бракованной продукции</a:t>
+            </a:r>
+          </a:p>
+          <a:p>
+            <a:r>
+              <a:rPr lang="ru-RU" dirty="0"/>
+              <a:t>Покупатели оставляют отзывы </a:t>
+            </a:r>
+            <a:r>
+              <a:rPr lang="ru-RU"/>
+              <a:t>и жалобы</a:t>
+            </a:r>
+            <a:endParaRPr lang="ru-RU" dirty="0"/>
+          </a:p>
+        </p:txBody>
+      </p:sp>
+    </p:spTree>
+    <p:extLst>
+      <p:ext uri="{BB962C8B-B14F-4D97-AF65-F5344CB8AC3E}">
+        <p14:creationId xmlns:p14="http://schemas.microsoft.com/office/powerpoint/2010/main" val="2996729822"/>
+      </p:ext>
+    </p:extLst>
+  </p:cSld>
+  <p:clrMapOvr>
+    <a:masterClrMapping/>
+  </p:clrMapOvr>
+</p:sld>
+</file>
+
 <file path=ppt/theme/theme1.xml><?xml version="1.0" encoding="utf-8"?>
 <a:theme xmlns:a="http://schemas.openxmlformats.org/drawingml/2006/main" name="Аспект">
   <a:themeElements>
